--- a/Documents/Research Seminar/Presentation_KM_Caniklioglu.pptx
+++ b/Documents/Research Seminar/Presentation_KM_Caniklioglu.pptx
@@ -210,7 +210,7 @@
           <a:p>
             <a:fld id="{ED09A87F-5867-A047-9E0F-F9FFCC63AC70}" type="datetimeFigureOut">
               <a:rPr lang="en-TR" smtClean="0"/>
-              <a:t>10.04.2023</a:t>
+              <a:t>5/22/23</a:t>
             </a:fld>
             <a:endParaRPr lang="en-TR"/>
           </a:p>
@@ -22432,37 +22432,6 @@
           <a:chExt cx="0" cy="0"/>
         </a:xfrm>
       </p:grpSpPr>
-      <p:pic>
-        <p:nvPicPr>
-          <p:cNvPr id="9" name="Picture 8" descr="Qr code&#10;&#10;Description automatically generated">
-            <a:extLst>
-              <a:ext uri="{FF2B5EF4-FFF2-40B4-BE49-F238E27FC236}">
-                <a16:creationId xmlns:a16="http://schemas.microsoft.com/office/drawing/2014/main" id="{696705E4-FFC4-BBCD-CB20-E96857EBF51D}"/>
-              </a:ext>
-            </a:extLst>
-          </p:cNvPr>
-          <p:cNvPicPr>
-            <a:picLocks noChangeAspect="1"/>
-          </p:cNvPicPr>
-          <p:nvPr/>
-        </p:nvPicPr>
-        <p:blipFill>
-          <a:blip r:embed="rId2"/>
-          <a:stretch>
-            <a:fillRect/>
-          </a:stretch>
-        </p:blipFill>
-        <p:spPr>
-          <a:xfrm>
-            <a:off x="7080242" y="1729630"/>
-            <a:ext cx="4622158" cy="4622158"/>
-          </a:xfrm>
-          <a:prstGeom prst="rect">
-            <a:avLst/>
-          </a:prstGeom>
-          <a:noFill/>
-        </p:spPr>
-      </p:pic>
       <p:sp>
         <p:nvSpPr>
           <p:cNvPr id="3" name="Title 2">
@@ -22521,7 +22490,7 @@
         <p:spPr>
           <a:xfrm>
             <a:off x="489600" y="1916114"/>
-            <a:ext cx="5616576" cy="4249191"/>
+            <a:ext cx="11279266" cy="4249191"/>
           </a:xfrm>
         </p:spPr>
         <p:txBody>
@@ -22976,7 +22945,23 @@
           <a:p>
             <a:r>
               <a:rPr lang="en-TR" sz="2000" i="1" dirty="0"/>
-              <a:t>	Declining real wages of low skilled jobs</a:t>
+              <a:t>	Declining real wages </a:t>
+            </a:r>
+            <a:r>
+              <a:rPr lang="en-TR" sz="2000" i="1"/>
+              <a:t>of </a:t>
+            </a:r>
+            <a:r>
+              <a:rPr lang="tr-TR" sz="2000" i="1" dirty="0" err="1"/>
+              <a:t>low-skilled</a:t>
+            </a:r>
+            <a:r>
+              <a:rPr lang="en-TR" sz="2000" i="1"/>
+              <a:t> </a:t>
+            </a:r>
+            <a:r>
+              <a:rPr lang="en-TR" sz="2000" i="1" dirty="0"/>
+              <a:t>jobs</a:t>
             </a:r>
           </a:p>
           <a:p>
@@ -22986,8 +22971,21 @@
             </a:pPr>
             <a:r>
               <a:rPr lang="en-TR" b="1" dirty="0"/>
-              <a:t>How technology affects labor earning?</a:t>
-            </a:r>
+              <a:t>How technology affects </a:t>
+            </a:r>
+            <a:r>
+              <a:rPr lang="en-TR" b="1"/>
+              <a:t>labor </a:t>
+            </a:r>
+            <a:r>
+              <a:rPr lang="tr-TR" b="1" dirty="0" err="1"/>
+              <a:t>earnings</a:t>
+            </a:r>
+            <a:r>
+              <a:rPr lang="en-TR" b="1"/>
+              <a:t>?</a:t>
+            </a:r>
+            <a:endParaRPr lang="en-TR" b="1" dirty="0"/>
           </a:p>
           <a:p>
             <a:pPr marL="342900" lvl="3" indent="-342900"/>
@@ -23160,7 +23158,7 @@
                 <a:latin typeface="Times New Roman" panose="02020603050405020304" pitchFamily="18" charset="0"/>
                 <a:ea typeface="Times New Roman" panose="02020603050405020304" pitchFamily="18" charset="0"/>
               </a:rPr>
-              <a:t>How did the recent developments in technology and offshoring activity in European Union affected demand for different skills and earnings of different occupations in late 20</a:t>
+              <a:t>How did the recent developments in technology and offshoring activity in European Union affect the demand for different skills and earnings of different occupations in the late 20</a:t>
             </a:r>
             <a:r>
               <a:rPr lang="en-US" sz="2000" b="1" baseline="30000" dirty="0">
@@ -23192,7 +23190,7 @@
                 <a:latin typeface="Times New Roman" panose="02020603050405020304" pitchFamily="18" charset="0"/>
                 <a:ea typeface="Times New Roman" panose="02020603050405020304" pitchFamily="18" charset="0"/>
               </a:rPr>
-              <a:t> Century?</a:t>
+              <a:t> Centuries?</a:t>
             </a:r>
             <a:endParaRPr lang="en-TR" sz="2000" dirty="0">
               <a:effectLst/>
